--- a/Presentation_Draft1.pptx
+++ b/Presentation_Draft1.pptx
@@ -13,7 +13,7 @@
     <p:sldId id="262" r:id="rId7"/>
     <p:sldId id="261" r:id="rId8"/>
     <p:sldId id="263" r:id="rId9"/>
-    <p:sldId id="264" r:id="rId10"/>
+    <p:sldId id="266" r:id="rId10"/>
     <p:sldId id="265" r:id="rId11"/>
   </p:sldIdLst>
   <p:sldSz cx="12192000" cy="6858000"/>
@@ -4553,10 +4553,10 @@
       </p:sp>
       <p:pic>
         <p:nvPicPr>
-          <p:cNvPr id="5" name="Content Placeholder 4">
-            <a:extLst>
-              <a:ext uri="{FF2B5EF4-FFF2-40B4-BE49-F238E27FC236}">
-                <a16:creationId xmlns:a16="http://schemas.microsoft.com/office/drawing/2014/main" id="{8EE1A319-C4B9-9540-8944-85FB3EE73065}"/>
+          <p:cNvPr id="17" name="Content Placeholder 16">
+            <a:extLst>
+              <a:ext uri="{FF2B5EF4-FFF2-40B4-BE49-F238E27FC236}">
+                <a16:creationId xmlns:a16="http://schemas.microsoft.com/office/drawing/2014/main" id="{51D63B15-AFFE-7648-88F9-3F24DA31F50C}"/>
               </a:ext>
             </a:extLst>
           </p:cNvPr>
@@ -4575,8 +4575,8 @@
         </p:blipFill>
         <p:spPr>
           <a:xfrm>
-            <a:off x="5334000" y="0"/>
-            <a:ext cx="6858000" cy="6858000"/>
+            <a:off x="4920721" y="1858508"/>
+            <a:ext cx="6962140" cy="4351338"/>
           </a:xfrm>
         </p:spPr>
       </p:pic>
@@ -4615,7 +4615,7 @@
           <p:cNvPr id="2" name="Title 1">
             <a:extLst>
               <a:ext uri="{FF2B5EF4-FFF2-40B4-BE49-F238E27FC236}">
-                <a16:creationId xmlns:a16="http://schemas.microsoft.com/office/drawing/2014/main" id="{793BE50C-EE2D-A24D-B845-AF43274938F3}"/>
+                <a16:creationId xmlns:a16="http://schemas.microsoft.com/office/drawing/2014/main" id="{AFAA6AB2-57BD-EC40-BFF0-DD46F1CE6EC5}"/>
               </a:ext>
             </a:extLst>
           </p:cNvPr>
@@ -4633,17 +4633,17 @@
           <a:p>
             <a:r>
               <a:rPr lang="en-US" dirty="0"/>
-              <a:t>HP by type</a:t>
+              <a:t>HP by Type</a:t>
             </a:r>
           </a:p>
         </p:txBody>
       </p:sp>
       <p:pic>
         <p:nvPicPr>
-          <p:cNvPr id="5" name="Content Placeholder 4">
-            <a:extLst>
-              <a:ext uri="{FF2B5EF4-FFF2-40B4-BE49-F238E27FC236}">
-                <a16:creationId xmlns:a16="http://schemas.microsoft.com/office/drawing/2014/main" id="{A5417872-279F-2941-B6F5-29C7BAB45085}"/>
+          <p:cNvPr id="9" name="Content Placeholder 8">
+            <a:extLst>
+              <a:ext uri="{FF2B5EF4-FFF2-40B4-BE49-F238E27FC236}">
+                <a16:creationId xmlns:a16="http://schemas.microsoft.com/office/drawing/2014/main" id="{9BBE7576-7F60-3145-840F-18F5D9EE7EC2}"/>
               </a:ext>
             </a:extLst>
           </p:cNvPr>
@@ -4662,15 +4662,15 @@
         </p:blipFill>
         <p:spPr>
           <a:xfrm>
-            <a:off x="5334000" y="0"/>
-            <a:ext cx="6858000" cy="6858000"/>
+            <a:off x="4855584" y="1158875"/>
+            <a:ext cx="7218651" cy="4812434"/>
           </a:xfrm>
         </p:spPr>
       </p:pic>
     </p:spTree>
     <p:extLst>
       <p:ext uri="{BB962C8B-B14F-4D97-AF65-F5344CB8AC3E}">
-        <p14:creationId xmlns:p14="http://schemas.microsoft.com/office/powerpoint/2010/main" val="209378079"/>
+        <p14:creationId xmlns:p14="http://schemas.microsoft.com/office/powerpoint/2010/main" val="340465099"/>
       </p:ext>
     </p:extLst>
   </p:cSld>
